--- a/Diapositivas/TEG_1.pptx
+++ b/Diapositivas/TEG_1.pptx
@@ -7,6 +7,7 @@
   <p:sldIdLst>
     <p:sldId id="256" r:id="rId2"/>
     <p:sldId id="257" r:id="rId3"/>
+    <p:sldId id="258" r:id="rId4"/>
   </p:sldIdLst>
   <p:sldSz cx="12192000" cy="6858000"/>
   <p:notesSz cx="6858000" cy="9144000"/>
@@ -3448,11 +3449,11 @@
           <p:nvPr/>
         </p:nvPicPr>
         <p:blipFill>
-          <a:blip r:embed="rId4">
+          <a:blip r:embed="rId3">
             <a:extLst>
               <a:ext uri="{BEBA8EAE-BF5A-486C-A8C5-ECC9F3942E4B}">
                 <a14:imgProps xmlns:a14="http://schemas.microsoft.com/office/drawing/2010/main">
-                  <a14:imgLayer r:embed="rId5">
+                  <a14:imgLayer r:embed="rId4">
                     <a14:imgEffect>
                       <a14:backgroundRemoval t="3817" b="93435" l="3800" r="93800"/>
                     </a14:imgEffect>
@@ -3557,11 +3558,11 @@
           <p:nvPr/>
         </p:nvPicPr>
         <p:blipFill>
-          <a:blip r:embed="rId6" cstate="print">
+          <a:blip r:embed="rId5" cstate="print">
             <a:extLst>
               <a:ext uri="{BEBA8EAE-BF5A-486C-A8C5-ECC9F3942E4B}">
                 <a14:imgProps xmlns:a14="http://schemas.microsoft.com/office/drawing/2010/main">
-                  <a14:imgLayer r:embed="rId7">
+                  <a14:imgLayer r:embed="rId6">
                     <a14:imgEffect>
                       <a14:backgroundRemoval t="1083" b="99500" l="10000" r="90000"/>
                     </a14:imgEffect>
@@ -3607,7 +3608,7 @@
           <p:nvPr/>
         </p:nvPicPr>
         <p:blipFill rotWithShape="1">
-          <a:blip r:embed="rId8">
+          <a:blip r:embed="rId7">
             <a:extLst>
               <a:ext uri="{28A0092B-C50C-407E-A947-70E740481C1C}">
                 <a14:useLocalDpi xmlns:a14="http://schemas.microsoft.com/office/drawing/2010/main" val="0"/>
@@ -3641,6 +3642,836 @@
     <p:extLst>
       <p:ext uri="{BB962C8B-B14F-4D97-AF65-F5344CB8AC3E}">
         <p14:creationId xmlns:p14="http://schemas.microsoft.com/office/powerpoint/2010/main" val="1748030763"/>
+      </p:ext>
+    </p:extLst>
+  </p:cSld>
+  <p:clrMapOvr>
+    <a:masterClrMapping/>
+  </p:clrMapOvr>
+</p:sld>
+</file>
+
+<file path=ppt/slides/slide3.xml><?xml version="1.0" encoding="utf-8"?>
+<p:sld xmlns:a="http://schemas.openxmlformats.org/drawingml/2006/main" xmlns:r="http://schemas.openxmlformats.org/officeDocument/2006/relationships" xmlns:p="http://schemas.openxmlformats.org/presentationml/2006/main">
+  <p:cSld>
+    <p:spTree>
+      <p:nvGrpSpPr>
+        <p:cNvPr id="1" name=""/>
+        <p:cNvGrpSpPr/>
+        <p:nvPr/>
+      </p:nvGrpSpPr>
+      <p:grpSpPr>
+        <a:xfrm>
+          <a:off x="0" y="0"/>
+          <a:ext cx="0" cy="0"/>
+          <a:chOff x="0" y="0"/>
+          <a:chExt cx="0" cy="0"/>
+        </a:xfrm>
+      </p:grpSpPr>
+      <p:sp>
+        <p:nvSpPr>
+          <p:cNvPr id="4" name="Rectángulo redondeado 3"/>
+          <p:cNvSpPr/>
+          <p:nvPr/>
+        </p:nvSpPr>
+        <p:spPr>
+          <a:xfrm>
+            <a:off x="9121511" y="4034351"/>
+            <a:ext cx="1817237" cy="1486885"/>
+          </a:xfrm>
+          <a:prstGeom prst="roundRect">
+            <a:avLst/>
+          </a:prstGeom>
+        </p:spPr>
+        <p:style>
+          <a:lnRef idx="2">
+            <a:schemeClr val="accent1">
+              <a:shade val="50000"/>
+            </a:schemeClr>
+          </a:lnRef>
+          <a:fillRef idx="1">
+            <a:schemeClr val="accent1"/>
+          </a:fillRef>
+          <a:effectRef idx="0">
+            <a:schemeClr val="accent1"/>
+          </a:effectRef>
+          <a:fontRef idx="minor">
+            <a:schemeClr val="lt1"/>
+          </a:fontRef>
+        </p:style>
+        <p:txBody>
+          <a:bodyPr rtlCol="0" anchor="ctr"/>
+          <a:lstStyle/>
+          <a:p>
+            <a:pPr algn="ctr"/>
+            <a:r>
+              <a:rPr lang="es-VE" dirty="0" smtClean="0"/>
+              <a:t>Motores</a:t>
+            </a:r>
+          </a:p>
+        </p:txBody>
+      </p:sp>
+      <p:sp>
+        <p:nvSpPr>
+          <p:cNvPr id="6" name="Rectángulo redondeado 5"/>
+          <p:cNvSpPr/>
+          <p:nvPr/>
+        </p:nvSpPr>
+        <p:spPr>
+          <a:xfrm>
+            <a:off x="6736076" y="4034350"/>
+            <a:ext cx="1817237" cy="1486885"/>
+          </a:xfrm>
+          <a:prstGeom prst="roundRect">
+            <a:avLst/>
+          </a:prstGeom>
+        </p:spPr>
+        <p:style>
+          <a:lnRef idx="2">
+            <a:schemeClr val="accent1">
+              <a:shade val="50000"/>
+            </a:schemeClr>
+          </a:lnRef>
+          <a:fillRef idx="1">
+            <a:schemeClr val="accent1"/>
+          </a:fillRef>
+          <a:effectRef idx="0">
+            <a:schemeClr val="accent1"/>
+          </a:effectRef>
+          <a:fontRef idx="minor">
+            <a:schemeClr val="lt1"/>
+          </a:fontRef>
+        </p:style>
+        <p:txBody>
+          <a:bodyPr rtlCol="0" anchor="ctr"/>
+          <a:lstStyle/>
+          <a:p>
+            <a:pPr algn="ctr"/>
+            <a:r>
+              <a:rPr lang="es-VE" dirty="0" smtClean="0"/>
+              <a:t>Circuitos de potencia</a:t>
+            </a:r>
+            <a:endParaRPr lang="es-VE" dirty="0"/>
+          </a:p>
+        </p:txBody>
+      </p:sp>
+      <p:sp>
+        <p:nvSpPr>
+          <p:cNvPr id="7" name="Rectángulo redondeado 6"/>
+          <p:cNvSpPr/>
+          <p:nvPr/>
+        </p:nvSpPr>
+        <p:spPr>
+          <a:xfrm>
+            <a:off x="4350639" y="4034350"/>
+            <a:ext cx="1817237" cy="1486885"/>
+          </a:xfrm>
+          <a:prstGeom prst="roundRect">
+            <a:avLst/>
+          </a:prstGeom>
+        </p:spPr>
+        <p:style>
+          <a:lnRef idx="2">
+            <a:schemeClr val="accent1">
+              <a:shade val="50000"/>
+            </a:schemeClr>
+          </a:lnRef>
+          <a:fillRef idx="1">
+            <a:schemeClr val="accent1"/>
+          </a:fillRef>
+          <a:effectRef idx="0">
+            <a:schemeClr val="accent1"/>
+          </a:effectRef>
+          <a:fontRef idx="minor">
+            <a:schemeClr val="lt1"/>
+          </a:fontRef>
+        </p:style>
+        <p:txBody>
+          <a:bodyPr rtlCol="0" anchor="ctr"/>
+          <a:lstStyle/>
+          <a:p>
+            <a:pPr algn="ctr"/>
+            <a:r>
+              <a:rPr lang="es-VE" sz="1600" dirty="0" smtClean="0"/>
+              <a:t>Microcontrolador</a:t>
+            </a:r>
+          </a:p>
+          <a:p>
+            <a:pPr algn="ctr"/>
+            <a:r>
+              <a:rPr lang="es-VE" sz="1600" dirty="0" smtClean="0"/>
+              <a:t>dsPIC30F3011</a:t>
+            </a:r>
+            <a:endParaRPr lang="es-VE" sz="1600" dirty="0"/>
+          </a:p>
+        </p:txBody>
+      </p:sp>
+      <p:sp>
+        <p:nvSpPr>
+          <p:cNvPr id="11" name="Rectángulo redondeado 10"/>
+          <p:cNvSpPr/>
+          <p:nvPr/>
+        </p:nvSpPr>
+        <p:spPr>
+          <a:xfrm>
+            <a:off x="1965205" y="473683"/>
+            <a:ext cx="1817237" cy="1486885"/>
+          </a:xfrm>
+          <a:prstGeom prst="roundRect">
+            <a:avLst/>
+          </a:prstGeom>
+        </p:spPr>
+        <p:style>
+          <a:lnRef idx="2">
+            <a:schemeClr val="accent1">
+              <a:shade val="50000"/>
+            </a:schemeClr>
+          </a:lnRef>
+          <a:fillRef idx="1">
+            <a:schemeClr val="accent1"/>
+          </a:fillRef>
+          <a:effectRef idx="0">
+            <a:schemeClr val="accent1"/>
+          </a:effectRef>
+          <a:fontRef idx="minor">
+            <a:schemeClr val="lt1"/>
+          </a:fontRef>
+        </p:style>
+        <p:txBody>
+          <a:bodyPr rtlCol="0" anchor="ctr"/>
+          <a:lstStyle/>
+          <a:p>
+            <a:pPr algn="ctr"/>
+            <a:r>
+              <a:rPr lang="es-VE" sz="1600" dirty="0" smtClean="0"/>
+              <a:t>Microcontrolador</a:t>
+            </a:r>
+          </a:p>
+          <a:p>
+            <a:pPr algn="ctr"/>
+            <a:r>
+              <a:rPr lang="es-VE" sz="1600" dirty="0" err="1" smtClean="0"/>
+              <a:t>Wi</a:t>
+            </a:r>
+            <a:r>
+              <a:rPr lang="es-VE" sz="1600" dirty="0" smtClean="0"/>
+              <a:t>-Fi</a:t>
+            </a:r>
+            <a:endParaRPr lang="es-VE" sz="1600" dirty="0"/>
+          </a:p>
+        </p:txBody>
+      </p:sp>
+      <p:sp>
+        <p:nvSpPr>
+          <p:cNvPr id="12" name="Rectángulo redondeado 11"/>
+          <p:cNvSpPr/>
+          <p:nvPr/>
+        </p:nvSpPr>
+        <p:spPr>
+          <a:xfrm>
+            <a:off x="1965205" y="4034350"/>
+            <a:ext cx="1817237" cy="1486885"/>
+          </a:xfrm>
+          <a:prstGeom prst="roundRect">
+            <a:avLst/>
+          </a:prstGeom>
+        </p:spPr>
+        <p:style>
+          <a:lnRef idx="2">
+            <a:schemeClr val="accent1">
+              <a:shade val="50000"/>
+            </a:schemeClr>
+          </a:lnRef>
+          <a:fillRef idx="1">
+            <a:schemeClr val="accent1"/>
+          </a:fillRef>
+          <a:effectRef idx="0">
+            <a:schemeClr val="accent1"/>
+          </a:effectRef>
+          <a:fontRef idx="minor">
+            <a:schemeClr val="lt1"/>
+          </a:fontRef>
+        </p:style>
+        <p:txBody>
+          <a:bodyPr rtlCol="0" anchor="ctr"/>
+          <a:lstStyle/>
+          <a:p>
+            <a:pPr algn="ctr"/>
+            <a:r>
+              <a:rPr lang="es-VE" dirty="0" smtClean="0"/>
+              <a:t>Puerto serial</a:t>
+            </a:r>
+          </a:p>
+        </p:txBody>
+      </p:sp>
+      <p:sp>
+        <p:nvSpPr>
+          <p:cNvPr id="18" name="Rectángulo redondeado 17"/>
+          <p:cNvSpPr/>
+          <p:nvPr/>
+        </p:nvSpPr>
+        <p:spPr>
+          <a:xfrm>
+            <a:off x="6736076" y="473684"/>
+            <a:ext cx="1817237" cy="1486885"/>
+          </a:xfrm>
+          <a:prstGeom prst="roundRect">
+            <a:avLst/>
+          </a:prstGeom>
+        </p:spPr>
+        <p:style>
+          <a:lnRef idx="2">
+            <a:schemeClr val="accent1">
+              <a:shade val="50000"/>
+            </a:schemeClr>
+          </a:lnRef>
+          <a:fillRef idx="1">
+            <a:schemeClr val="accent1"/>
+          </a:fillRef>
+          <a:effectRef idx="0">
+            <a:schemeClr val="accent1"/>
+          </a:effectRef>
+          <a:fontRef idx="minor">
+            <a:schemeClr val="lt1"/>
+          </a:fontRef>
+        </p:style>
+        <p:txBody>
+          <a:bodyPr rtlCol="0" anchor="ctr"/>
+          <a:lstStyle/>
+          <a:p>
+            <a:pPr algn="ctr"/>
+            <a:r>
+              <a:rPr lang="es-VE" sz="1600" dirty="0" smtClean="0"/>
+              <a:t>Dirección/Página web</a:t>
+            </a:r>
+            <a:endParaRPr lang="es-VE" sz="1600" dirty="0"/>
+          </a:p>
+        </p:txBody>
+      </p:sp>
+      <p:sp>
+        <p:nvSpPr>
+          <p:cNvPr id="19" name="Rectángulo redondeado 18"/>
+          <p:cNvSpPr/>
+          <p:nvPr/>
+        </p:nvSpPr>
+        <p:spPr>
+          <a:xfrm>
+            <a:off x="4350640" y="473683"/>
+            <a:ext cx="1817237" cy="1486885"/>
+          </a:xfrm>
+          <a:prstGeom prst="roundRect">
+            <a:avLst/>
+          </a:prstGeom>
+        </p:spPr>
+        <p:style>
+          <a:lnRef idx="2">
+            <a:schemeClr val="accent1">
+              <a:shade val="50000"/>
+            </a:schemeClr>
+          </a:lnRef>
+          <a:fillRef idx="1">
+            <a:schemeClr val="accent1"/>
+          </a:fillRef>
+          <a:effectRef idx="0">
+            <a:schemeClr val="accent1"/>
+          </a:effectRef>
+          <a:fontRef idx="minor">
+            <a:schemeClr val="lt1"/>
+          </a:fontRef>
+        </p:style>
+        <p:txBody>
+          <a:bodyPr rtlCol="0" anchor="ctr"/>
+          <a:lstStyle/>
+          <a:p>
+            <a:pPr algn="ctr"/>
+            <a:r>
+              <a:rPr lang="es-VE" dirty="0" smtClean="0"/>
+              <a:t>Servidor web</a:t>
+            </a:r>
+            <a:endParaRPr lang="es-VE" dirty="0"/>
+          </a:p>
+        </p:txBody>
+      </p:sp>
+      <p:sp>
+        <p:nvSpPr>
+          <p:cNvPr id="20" name="Rectángulo redondeado 19"/>
+          <p:cNvSpPr/>
+          <p:nvPr/>
+        </p:nvSpPr>
+        <p:spPr>
+          <a:xfrm>
+            <a:off x="9121511" y="473683"/>
+            <a:ext cx="1817237" cy="1486885"/>
+          </a:xfrm>
+          <a:prstGeom prst="roundRect">
+            <a:avLst/>
+          </a:prstGeom>
+        </p:spPr>
+        <p:style>
+          <a:lnRef idx="2">
+            <a:schemeClr val="accent1">
+              <a:shade val="50000"/>
+            </a:schemeClr>
+          </a:lnRef>
+          <a:fillRef idx="1">
+            <a:schemeClr val="accent1"/>
+          </a:fillRef>
+          <a:effectRef idx="0">
+            <a:schemeClr val="accent1"/>
+          </a:effectRef>
+          <a:fontRef idx="minor">
+            <a:schemeClr val="lt1"/>
+          </a:fontRef>
+        </p:style>
+        <p:txBody>
+          <a:bodyPr rtlCol="0" anchor="ctr"/>
+          <a:lstStyle/>
+          <a:p>
+            <a:pPr algn="ctr"/>
+            <a:r>
+              <a:rPr lang="es-VE" dirty="0" smtClean="0"/>
+              <a:t>Aplicaciones</a:t>
+            </a:r>
+            <a:endParaRPr lang="es-VE" dirty="0"/>
+          </a:p>
+        </p:txBody>
+      </p:sp>
+      <p:sp>
+        <p:nvSpPr>
+          <p:cNvPr id="21" name="Flecha izquierda 20"/>
+          <p:cNvSpPr/>
+          <p:nvPr/>
+        </p:nvSpPr>
+        <p:spPr>
+          <a:xfrm>
+            <a:off x="8553313" y="966651"/>
+            <a:ext cx="568198" cy="548640"/>
+          </a:xfrm>
+          <a:prstGeom prst="leftArrow">
+            <a:avLst/>
+          </a:prstGeom>
+        </p:spPr>
+        <p:style>
+          <a:lnRef idx="2">
+            <a:schemeClr val="accent1">
+              <a:shade val="50000"/>
+            </a:schemeClr>
+          </a:lnRef>
+          <a:fillRef idx="1">
+            <a:schemeClr val="accent1"/>
+          </a:fillRef>
+          <a:effectRef idx="0">
+            <a:schemeClr val="accent1"/>
+          </a:effectRef>
+          <a:fontRef idx="minor">
+            <a:schemeClr val="lt1"/>
+          </a:fontRef>
+        </p:style>
+        <p:txBody>
+          <a:bodyPr rtlCol="0" anchor="ctr"/>
+          <a:lstStyle/>
+          <a:p>
+            <a:pPr algn="ctr"/>
+            <a:endParaRPr lang="es-VE"/>
+          </a:p>
+        </p:txBody>
+      </p:sp>
+      <p:sp>
+        <p:nvSpPr>
+          <p:cNvPr id="22" name="Flecha izquierda 21"/>
+          <p:cNvSpPr/>
+          <p:nvPr/>
+        </p:nvSpPr>
+        <p:spPr>
+          <a:xfrm>
+            <a:off x="6167876" y="942805"/>
+            <a:ext cx="568198" cy="548640"/>
+          </a:xfrm>
+          <a:prstGeom prst="leftArrow">
+            <a:avLst/>
+          </a:prstGeom>
+        </p:spPr>
+        <p:style>
+          <a:lnRef idx="2">
+            <a:schemeClr val="accent1">
+              <a:shade val="50000"/>
+            </a:schemeClr>
+          </a:lnRef>
+          <a:fillRef idx="1">
+            <a:schemeClr val="accent1"/>
+          </a:fillRef>
+          <a:effectRef idx="0">
+            <a:schemeClr val="accent1"/>
+          </a:effectRef>
+          <a:fontRef idx="minor">
+            <a:schemeClr val="lt1"/>
+          </a:fontRef>
+        </p:style>
+        <p:txBody>
+          <a:bodyPr rtlCol="0" anchor="ctr"/>
+          <a:lstStyle/>
+          <a:p>
+            <a:pPr algn="ctr"/>
+            <a:endParaRPr lang="es-VE"/>
+          </a:p>
+        </p:txBody>
+      </p:sp>
+      <p:sp>
+        <p:nvSpPr>
+          <p:cNvPr id="23" name="Flecha izquierda 22"/>
+          <p:cNvSpPr/>
+          <p:nvPr/>
+        </p:nvSpPr>
+        <p:spPr>
+          <a:xfrm>
+            <a:off x="3782440" y="967221"/>
+            <a:ext cx="568198" cy="548640"/>
+          </a:xfrm>
+          <a:prstGeom prst="leftArrow">
+            <a:avLst/>
+          </a:prstGeom>
+        </p:spPr>
+        <p:style>
+          <a:lnRef idx="2">
+            <a:schemeClr val="accent1">
+              <a:shade val="50000"/>
+            </a:schemeClr>
+          </a:lnRef>
+          <a:fillRef idx="1">
+            <a:schemeClr val="accent1"/>
+          </a:fillRef>
+          <a:effectRef idx="0">
+            <a:schemeClr val="accent1"/>
+          </a:effectRef>
+          <a:fontRef idx="minor">
+            <a:schemeClr val="lt1"/>
+          </a:fontRef>
+        </p:style>
+        <p:txBody>
+          <a:bodyPr rtlCol="0" anchor="ctr"/>
+          <a:lstStyle/>
+          <a:p>
+            <a:pPr algn="ctr"/>
+            <a:endParaRPr lang="es-VE"/>
+          </a:p>
+        </p:txBody>
+      </p:sp>
+      <p:sp>
+        <p:nvSpPr>
+          <p:cNvPr id="25" name="Flecha izquierda 24"/>
+          <p:cNvSpPr/>
+          <p:nvPr/>
+        </p:nvSpPr>
+        <p:spPr>
+          <a:xfrm flipH="1">
+            <a:off x="3782440" y="4503472"/>
+            <a:ext cx="568198" cy="548640"/>
+          </a:xfrm>
+          <a:prstGeom prst="leftArrow">
+            <a:avLst/>
+          </a:prstGeom>
+        </p:spPr>
+        <p:style>
+          <a:lnRef idx="2">
+            <a:schemeClr val="accent1">
+              <a:shade val="50000"/>
+            </a:schemeClr>
+          </a:lnRef>
+          <a:fillRef idx="1">
+            <a:schemeClr val="accent1"/>
+          </a:fillRef>
+          <a:effectRef idx="0">
+            <a:schemeClr val="accent1"/>
+          </a:effectRef>
+          <a:fontRef idx="minor">
+            <a:schemeClr val="lt1"/>
+          </a:fontRef>
+        </p:style>
+        <p:txBody>
+          <a:bodyPr rtlCol="0" anchor="ctr"/>
+          <a:lstStyle/>
+          <a:p>
+            <a:pPr algn="ctr"/>
+            <a:endParaRPr lang="es-VE"/>
+          </a:p>
+        </p:txBody>
+      </p:sp>
+      <p:sp>
+        <p:nvSpPr>
+          <p:cNvPr id="26" name="Flecha izquierda 25"/>
+          <p:cNvSpPr/>
+          <p:nvPr/>
+        </p:nvSpPr>
+        <p:spPr>
+          <a:xfrm flipH="1">
+            <a:off x="6167876" y="4503472"/>
+            <a:ext cx="568198" cy="548640"/>
+          </a:xfrm>
+          <a:prstGeom prst="leftArrow">
+            <a:avLst/>
+          </a:prstGeom>
+        </p:spPr>
+        <p:style>
+          <a:lnRef idx="2">
+            <a:schemeClr val="accent1">
+              <a:shade val="50000"/>
+            </a:schemeClr>
+          </a:lnRef>
+          <a:fillRef idx="1">
+            <a:schemeClr val="accent1"/>
+          </a:fillRef>
+          <a:effectRef idx="0">
+            <a:schemeClr val="accent1"/>
+          </a:effectRef>
+          <a:fontRef idx="minor">
+            <a:schemeClr val="lt1"/>
+          </a:fontRef>
+        </p:style>
+        <p:txBody>
+          <a:bodyPr rtlCol="0" anchor="ctr"/>
+          <a:lstStyle/>
+          <a:p>
+            <a:pPr algn="ctr"/>
+            <a:endParaRPr lang="es-VE"/>
+          </a:p>
+        </p:txBody>
+      </p:sp>
+      <p:sp>
+        <p:nvSpPr>
+          <p:cNvPr id="27" name="Flecha izquierda 26"/>
+          <p:cNvSpPr/>
+          <p:nvPr/>
+        </p:nvSpPr>
+        <p:spPr>
+          <a:xfrm flipH="1">
+            <a:off x="8553311" y="4503472"/>
+            <a:ext cx="568198" cy="548640"/>
+          </a:xfrm>
+          <a:prstGeom prst="leftArrow">
+            <a:avLst/>
+          </a:prstGeom>
+        </p:spPr>
+        <p:style>
+          <a:lnRef idx="2">
+            <a:schemeClr val="accent1">
+              <a:shade val="50000"/>
+            </a:schemeClr>
+          </a:lnRef>
+          <a:fillRef idx="1">
+            <a:schemeClr val="accent1"/>
+          </a:fillRef>
+          <a:effectRef idx="0">
+            <a:schemeClr val="accent1"/>
+          </a:effectRef>
+          <a:fontRef idx="minor">
+            <a:schemeClr val="lt1"/>
+          </a:fontRef>
+        </p:style>
+        <p:txBody>
+          <a:bodyPr rtlCol="0" anchor="ctr"/>
+          <a:lstStyle/>
+          <a:p>
+            <a:pPr algn="ctr"/>
+            <a:endParaRPr lang="es-VE"/>
+          </a:p>
+        </p:txBody>
+      </p:sp>
+      <p:sp>
+        <p:nvSpPr>
+          <p:cNvPr id="29" name="Rectángulo 28"/>
+          <p:cNvSpPr/>
+          <p:nvPr/>
+        </p:nvSpPr>
+        <p:spPr>
+          <a:xfrm>
+            <a:off x="4219303" y="104503"/>
+            <a:ext cx="6831874" cy="2272937"/>
+          </a:xfrm>
+          <a:prstGeom prst="rect">
+            <a:avLst/>
+          </a:prstGeom>
+          <a:noFill/>
+          <a:ln w="76200">
+            <a:solidFill>
+              <a:schemeClr val="tx1"/>
+            </a:solidFill>
+          </a:ln>
+        </p:spPr>
+        <p:style>
+          <a:lnRef idx="2">
+            <a:schemeClr val="accent1">
+              <a:shade val="50000"/>
+            </a:schemeClr>
+          </a:lnRef>
+          <a:fillRef idx="1">
+            <a:schemeClr val="accent1"/>
+          </a:fillRef>
+          <a:effectRef idx="0">
+            <a:schemeClr val="accent1"/>
+          </a:effectRef>
+          <a:fontRef idx="minor">
+            <a:schemeClr val="lt1"/>
+          </a:fontRef>
+        </p:style>
+        <p:txBody>
+          <a:bodyPr rtlCol="0" anchor="ctr"/>
+          <a:lstStyle/>
+          <a:p>
+            <a:pPr algn="ctr"/>
+            <a:endParaRPr lang="es-VE"/>
+          </a:p>
+        </p:txBody>
+      </p:sp>
+      <p:sp>
+        <p:nvSpPr>
+          <p:cNvPr id="30" name="Rectángulo 29"/>
+          <p:cNvSpPr/>
+          <p:nvPr/>
+        </p:nvSpPr>
+        <p:spPr>
+          <a:xfrm>
+            <a:off x="1436914" y="3757750"/>
+            <a:ext cx="9745598" cy="2272937"/>
+          </a:xfrm>
+          <a:prstGeom prst="rect">
+            <a:avLst/>
+          </a:prstGeom>
+          <a:noFill/>
+          <a:ln w="76200">
+            <a:solidFill>
+              <a:schemeClr val="tx1"/>
+            </a:solidFill>
+          </a:ln>
+        </p:spPr>
+        <p:style>
+          <a:lnRef idx="2">
+            <a:schemeClr val="accent1">
+              <a:shade val="50000"/>
+            </a:schemeClr>
+          </a:lnRef>
+          <a:fillRef idx="1">
+            <a:schemeClr val="accent1"/>
+          </a:fillRef>
+          <a:effectRef idx="0">
+            <a:schemeClr val="accent1"/>
+          </a:effectRef>
+          <a:fontRef idx="minor">
+            <a:schemeClr val="lt1"/>
+          </a:fontRef>
+        </p:style>
+        <p:txBody>
+          <a:bodyPr rtlCol="0" anchor="ctr"/>
+          <a:lstStyle/>
+          <a:p>
+            <a:pPr algn="ctr"/>
+            <a:endParaRPr lang="es-VE"/>
+          </a:p>
+        </p:txBody>
+      </p:sp>
+      <p:sp>
+        <p:nvSpPr>
+          <p:cNvPr id="24" name="Flecha abajo 23"/>
+          <p:cNvSpPr/>
+          <p:nvPr/>
+        </p:nvSpPr>
+        <p:spPr>
+          <a:xfrm>
+            <a:off x="2442748" y="2022772"/>
+            <a:ext cx="862148" cy="2011578"/>
+          </a:xfrm>
+          <a:prstGeom prst="downArrow">
+            <a:avLst/>
+          </a:prstGeom>
+        </p:spPr>
+        <p:style>
+          <a:lnRef idx="2">
+            <a:schemeClr val="accent1">
+              <a:shade val="50000"/>
+            </a:schemeClr>
+          </a:lnRef>
+          <a:fillRef idx="1">
+            <a:schemeClr val="accent1"/>
+          </a:fillRef>
+          <a:effectRef idx="0">
+            <a:schemeClr val="accent1"/>
+          </a:effectRef>
+          <a:fontRef idx="minor">
+            <a:schemeClr val="lt1"/>
+          </a:fontRef>
+        </p:style>
+        <p:txBody>
+          <a:bodyPr rtlCol="0" anchor="ctr"/>
+          <a:lstStyle/>
+          <a:p>
+            <a:pPr algn="ctr"/>
+            <a:endParaRPr lang="es-VE"/>
+          </a:p>
+        </p:txBody>
+      </p:sp>
+      <p:sp>
+        <p:nvSpPr>
+          <p:cNvPr id="31" name="CuadroTexto 30"/>
+          <p:cNvSpPr txBox="1"/>
+          <p:nvPr/>
+        </p:nvSpPr>
+        <p:spPr>
+          <a:xfrm>
+            <a:off x="4066539" y="2350775"/>
+            <a:ext cx="4025974" cy="523220"/>
+          </a:xfrm>
+          <a:prstGeom prst="rect">
+            <a:avLst/>
+          </a:prstGeom>
+          <a:noFill/>
+        </p:spPr>
+        <p:txBody>
+          <a:bodyPr wrap="none" rtlCol="0">
+            <a:spAutoFit/>
+          </a:bodyPr>
+          <a:lstStyle/>
+          <a:p>
+            <a:r>
+              <a:rPr lang="es-VE" sz="2800" dirty="0" smtClean="0"/>
+              <a:t>Comunicación inalámbrica</a:t>
+            </a:r>
+            <a:endParaRPr lang="es-VE" sz="2800" dirty="0"/>
+          </a:p>
+        </p:txBody>
+      </p:sp>
+      <p:sp>
+        <p:nvSpPr>
+          <p:cNvPr id="32" name="CuadroTexto 31"/>
+          <p:cNvSpPr txBox="1"/>
+          <p:nvPr/>
+        </p:nvSpPr>
+        <p:spPr>
+          <a:xfrm>
+            <a:off x="1286291" y="6045677"/>
+            <a:ext cx="4793235" cy="523220"/>
+          </a:xfrm>
+          <a:prstGeom prst="rect">
+            <a:avLst/>
+          </a:prstGeom>
+          <a:noFill/>
+        </p:spPr>
+        <p:txBody>
+          <a:bodyPr wrap="none" rtlCol="0">
+            <a:spAutoFit/>
+          </a:bodyPr>
+          <a:lstStyle/>
+          <a:p>
+            <a:r>
+              <a:rPr lang="es-VE" sz="2800" dirty="0" smtClean="0"/>
+              <a:t>Sistema original del brazo robot</a:t>
+            </a:r>
+            <a:endParaRPr lang="es-VE" sz="2800" dirty="0"/>
+          </a:p>
+        </p:txBody>
+      </p:sp>
+    </p:spTree>
+    <p:extLst>
+      <p:ext uri="{BB962C8B-B14F-4D97-AF65-F5344CB8AC3E}">
+        <p14:creationId xmlns:p14="http://schemas.microsoft.com/office/powerpoint/2010/main" val="1168996242"/>
       </p:ext>
     </p:extLst>
   </p:cSld>
